--- a/lecture/12/12.pptx
+++ b/lecture/12/12.pptx
@@ -2991,7 +2991,7 @@
           <a:p>
             <a:fld id="{73B2889B-A0AC-4482-8592-5C96F2309420}" type="datetimeFigureOut">
               <a:rPr lang="en-US" smtClean="0"/>
-              <a:t>11/27/2022</a:t>
+              <a:t>11/28/2022</a:t>
             </a:fld>
             <a:endParaRPr lang="en-US"/>
           </a:p>
@@ -3168,7 +3168,7 @@
           <a:p>
             <a:fld id="{830EB223-FFC0-462A-A3B8-EAA7CE0F8CBD}" type="datetimeFigureOut">
               <a:rPr lang="en-US" smtClean="0"/>
-              <a:t>11/27/2022</a:t>
+              <a:t>11/28/2022</a:t>
             </a:fld>
             <a:endParaRPr lang="en-US" dirty="0"/>
           </a:p>
@@ -6907,7 +6907,7 @@
           <a:p>
             <a:fld id="{DECF21A4-E71B-4D3A-AF45-E989C23A7BB1}" type="datetimeFigureOut">
               <a:rPr lang="en-US" smtClean="0"/>
-              <a:t>11/27/2022</a:t>
+              <a:t>11/28/2022</a:t>
             </a:fld>
             <a:endParaRPr lang="en-US" dirty="0"/>
           </a:p>
@@ -8511,7 +8511,7 @@
           <a:p>
             <a:fld id="{DECF21A4-E71B-4D3A-AF45-E989C23A7BB1}" type="datetimeFigureOut">
               <a:rPr lang="en-US" smtClean="0"/>
-              <a:t>11/27/2022</a:t>
+              <a:t>11/28/2022</a:t>
             </a:fld>
             <a:endParaRPr lang="en-US" dirty="0"/>
           </a:p>
@@ -10403,14 +10403,14 @@
             <a:pPr indent="-228600"/>
             <a:r>
               <a:rPr lang="en-US" sz="2200" dirty="0"/>
-              <a:t>Consumers are more likely o punish brands for transgressions when those concerns with strong relationships with brands </a:t>
+              <a:t>Consumers are more likely to punish brands for transgressions when they have strong relationships with brands </a:t>
             </a:r>
           </a:p>
           <a:p>
             <a:pPr lvl="1" indent="-228600"/>
             <a:r>
               <a:rPr lang="en-US" sz="2200" dirty="0"/>
-              <a:t>injustice or betrayal: when consumers directly experience the crisis</a:t>
+              <a:t>Injustice or betrayal: when consumers directly experience the crisis</a:t>
             </a:r>
           </a:p>
           <a:p>
@@ -10424,7 +10424,15 @@
             <a:pPr indent="-228600"/>
             <a:r>
               <a:rPr lang="en-US" sz="2200" dirty="0"/>
-              <a:t>Brands that have line extensions or extensions can suffer more from crises (spillover effect)</a:t>
+              <a:t>Brands that have </a:t>
+            </a:r>
+            <a:r>
+              <a:rPr lang="en-US" sz="2200"/>
+              <a:t>line extensions can </a:t>
+            </a:r>
+            <a:r>
+              <a:rPr lang="en-US" sz="2200" dirty="0"/>
+              <a:t>suffer more from crises (spillover effect)</a:t>
             </a:r>
           </a:p>
           <a:p>
@@ -20261,7 +20269,7 @@
           </a:ln>
           <a:extLst>
             <a:ext uri="{91240B29-F687-4f45-9708-019B960494DF}">
-              <a14:hiddenLine xmlns="" xmlns:p14="http://schemas.microsoft.com/office/powerpoint/2010/main" xmlns:a14="http://schemas.microsoft.com/office/drawing/2010/main" xmlns:a16="http://schemas.microsoft.com/office/drawing/2014/main" w="9525">
+              <a14:hiddenLine xmlns:a16="http://schemas.microsoft.com/office/drawing/2014/main" xmlns:a14="http://schemas.microsoft.com/office/drawing/2010/main" xmlns:p14="http://schemas.microsoft.com/office/powerpoint/2010/main" xmlns="" w="9525">
                 <a:solidFill>
                   <a:srgbClr val="000000"/>
                 </a:solidFill>
